--- a/docs/PresentatieBOOKIR_version1.pptx
+++ b/docs/PresentatieBOOKIR_version1.pptx
@@ -18,19 +18,15 @@
     <p:sldId id="262" r:id="rId12"/>
     <p:sldId id="282" r:id="rId13"/>
     <p:sldId id="288" r:id="rId14"/>
-    <p:sldId id="265" r:id="rId15"/>
-    <p:sldId id="287" r:id="rId16"/>
-    <p:sldId id="266" r:id="rId17"/>
-    <p:sldId id="283" r:id="rId18"/>
-    <p:sldId id="267" r:id="rId19"/>
-    <p:sldId id="285" r:id="rId20"/>
-    <p:sldId id="268" r:id="rId21"/>
-    <p:sldId id="286" r:id="rId22"/>
-    <p:sldId id="264" r:id="rId23"/>
-    <p:sldId id="290" r:id="rId24"/>
-    <p:sldId id="291" r:id="rId25"/>
-    <p:sldId id="284" r:id="rId26"/>
-    <p:sldId id="263" r:id="rId27"/>
+    <p:sldId id="287" r:id="rId15"/>
+    <p:sldId id="283" r:id="rId16"/>
+    <p:sldId id="285" r:id="rId17"/>
+    <p:sldId id="286" r:id="rId18"/>
+    <p:sldId id="264" r:id="rId19"/>
+    <p:sldId id="290" r:id="rId20"/>
+    <p:sldId id="291" r:id="rId21"/>
+    <p:sldId id="284" r:id="rId22"/>
+    <p:sldId id="263" r:id="rId23"/>
   </p:sldIdLst>
   <p:sldSz cx="12192000" cy="6858000"/>
   <p:notesSz cx="6858000" cy="9144000"/>
@@ -3185,7 +3181,11 @@
           <a:p>
             <a:r>
               <a:rPr lang="nl-NL" b="1" dirty="0" smtClean="0"/>
-              <a:t>IN4315 Information </a:t>
+              <a:t>IN4325 </a:t>
+            </a:r>
+            <a:r>
+              <a:rPr lang="nl-NL" b="1" dirty="0" smtClean="0"/>
+              <a:t>Information </a:t>
             </a:r>
             <a:r>
               <a:rPr lang="nl-NL" b="1" dirty="0"/>
@@ -4154,8 +4154,31 @@
 </file>
 
 <file path=ppt/slides/slide14.xml><?xml version="1.0" encoding="utf-8"?>
-<p:sld xmlns:a="http://schemas.openxmlformats.org/drawingml/2006/main" xmlns:r="http://schemas.openxmlformats.org/officeDocument/2006/relationships" xmlns:p="http://schemas.openxmlformats.org/presentationml/2006/main">
+<p:sld xmlns:a="http://schemas.openxmlformats.org/drawingml/2006/main" xmlns:r="http://schemas.openxmlformats.org/officeDocument/2006/relationships" xmlns:p="http://schemas.openxmlformats.org/presentationml/2006/main" show="0">
   <p:cSld>
+    <p:bg>
+      <p:bgPr>
+        <a:gradFill flip="none" rotWithShape="1">
+          <a:gsLst>
+            <a:gs pos="32000">
+              <a:schemeClr val="accent2">
+                <a:lumMod val="5000"/>
+                <a:lumOff val="95000"/>
+              </a:schemeClr>
+            </a:gs>
+            <a:gs pos="79000">
+              <a:schemeClr val="accent2">
+                <a:lumMod val="45000"/>
+                <a:lumOff val="55000"/>
+              </a:schemeClr>
+            </a:gs>
+          </a:gsLst>
+          <a:lin ang="16200000" scaled="1"/>
+          <a:tileRect/>
+        </a:gradFill>
+        <a:effectLst/>
+      </p:bgPr>
+    </p:bg>
     <p:spTree>
       <p:nvGrpSpPr>
         <p:cNvPr id="1" name=""/>
@@ -4172,14 +4195,14 @@
       </p:grpSpPr>
       <p:pic>
         <p:nvPicPr>
-          <p:cNvPr id="4" name="Picture 2" descr="http://ecx.images-amazon.com/images/I/81yutuIZc4L.png"/>
+          <p:cNvPr id="9218" name="Picture 2" descr="http://static8.depositphotos.com/1032712/997/i/170/depositphotos_9975225-Traffic-cones-and-hardhat.-Road-sign.-Icon-isolated-on-white-bac.jpg"/>
           <p:cNvPicPr>
             <a:picLocks noChangeAspect="1" noChangeArrowheads="1"/>
           </p:cNvPicPr>
           <p:nvPr/>
         </p:nvPicPr>
         <p:blipFill>
-          <a:blip r:embed="rId2" cstate="print">
+          <a:blip r:embed="rId2">
             <a:extLst>
               <a:ext uri="{28A0092B-C50C-407E-A947-70E740481C1C}">
                 <a14:useLocalDpi xmlns:a14="http://schemas.microsoft.com/office/drawing/2010/main" val="0"/>
@@ -4193,51 +4216,37 @@
         </p:blipFill>
         <p:spPr bwMode="auto">
           <a:xfrm>
-            <a:off x="10536936" y="5202936"/>
-            <a:ext cx="1655064" cy="1655064"/>
+            <a:off x="0" y="5248274"/>
+            <a:ext cx="1381125" cy="1609726"/>
           </a:xfrm>
           <a:prstGeom prst="rect">
             <a:avLst/>
           </a:prstGeom>
-          <a:noFill/>
-          <a:extLst>
-            <a:ext uri="{909E8E84-426E-40DD-AFC4-6F175D3DCCD1}">
-              <a14:hiddenFill xmlns:a14="http://schemas.microsoft.com/office/drawing/2010/main">
-                <a:solidFill>
-                  <a:srgbClr val="FFFFFF"/>
-                </a:solidFill>
-              </a14:hiddenFill>
-            </a:ext>
-          </a:extLst>
+          <a:gradFill>
+            <a:gsLst>
+              <a:gs pos="5000">
+                <a:schemeClr val="accent2">
+                  <a:lumMod val="5000"/>
+                  <a:lumOff val="95000"/>
+                </a:schemeClr>
+              </a:gs>
+              <a:gs pos="79000">
+                <a:schemeClr val="accent2">
+                  <a:lumMod val="45000"/>
+                  <a:lumOff val="55000"/>
+                </a:schemeClr>
+              </a:gs>
+            </a:gsLst>
+            <a:lin ang="16200000" scaled="1"/>
+          </a:gradFill>
+          <a:effectLst>
+            <a:softEdge rad="127000"/>
+          </a:effectLst>
         </p:spPr>
       </p:pic>
-      <p:pic>
-        <p:nvPicPr>
-          <p:cNvPr id="5" name="Afbeelding 4"/>
-          <p:cNvPicPr>
-            <a:picLocks noChangeAspect="1"/>
-          </p:cNvPicPr>
-          <p:nvPr/>
-        </p:nvPicPr>
-        <p:blipFill>
-          <a:blip r:embed="rId3"/>
-          <a:stretch>
-            <a:fillRect/>
-          </a:stretch>
-        </p:blipFill>
-        <p:spPr>
-          <a:xfrm>
-            <a:off x="1" y="5208673"/>
-            <a:ext cx="1993391" cy="1649326"/>
-          </a:xfrm>
-          <a:prstGeom prst="rect">
-            <a:avLst/>
-          </a:prstGeom>
-        </p:spPr>
-      </p:pic>
-      <p:sp>
-        <p:nvSpPr>
-          <p:cNvPr id="7" name="Tekstvak 6"/>
+      <p:sp>
+        <p:nvSpPr>
+          <p:cNvPr id="4" name="Tekstvak 3"/>
           <p:cNvSpPr txBox="1"/>
           <p:nvPr/>
         </p:nvSpPr>
@@ -4270,7 +4279,7 @@
     </p:spTree>
     <p:extLst>
       <p:ext uri="{BB962C8B-B14F-4D97-AF65-F5344CB8AC3E}">
-        <p14:creationId xmlns:p14="http://schemas.microsoft.com/office/powerpoint/2010/main" val="2730047633"/>
+        <p14:creationId xmlns:p14="http://schemas.microsoft.com/office/powerpoint/2010/main" val="4280768057"/>
       </p:ext>
     </p:extLst>
   </p:cSld>
@@ -4388,7 +4397,7 @@
       </p:pic>
       <p:sp>
         <p:nvSpPr>
-          <p:cNvPr id="4" name="Tekstvak 3"/>
+          <p:cNvPr id="3" name="Tekstvak 2"/>
           <p:cNvSpPr txBox="1"/>
           <p:nvPr/>
         </p:nvSpPr>
@@ -4413,7 +4422,7 @@
                 <a:latin typeface="Bookman Old Style" panose="02050604050505020204" pitchFamily="18" charset="0"/>
                 <a:cs typeface="Times New Roman" panose="02020603050405020304" pitchFamily="18" charset="0"/>
               </a:rPr>
-              <a:t>DEMO 1</a:t>
+              <a:t>DEMO 2</a:t>
             </a:r>
           </a:p>
         </p:txBody>
@@ -4421,7 +4430,7 @@
     </p:spTree>
     <p:extLst>
       <p:ext uri="{BB962C8B-B14F-4D97-AF65-F5344CB8AC3E}">
-        <p14:creationId xmlns:p14="http://schemas.microsoft.com/office/powerpoint/2010/main" val="4280768057"/>
+        <p14:creationId xmlns:p14="http://schemas.microsoft.com/office/powerpoint/2010/main" val="1207904404"/>
       </p:ext>
     </p:extLst>
   </p:cSld>
@@ -4447,8 +4456,31 @@
 </file>
 
 <file path=ppt/slides/slide16.xml><?xml version="1.0" encoding="utf-8"?>
-<p:sld xmlns:a="http://schemas.openxmlformats.org/drawingml/2006/main" xmlns:r="http://schemas.openxmlformats.org/officeDocument/2006/relationships" xmlns:p="http://schemas.openxmlformats.org/presentationml/2006/main">
+<p:sld xmlns:a="http://schemas.openxmlformats.org/drawingml/2006/main" xmlns:r="http://schemas.openxmlformats.org/officeDocument/2006/relationships" xmlns:p="http://schemas.openxmlformats.org/presentationml/2006/main" show="0">
   <p:cSld>
+    <p:bg>
+      <p:bgPr>
+        <a:gradFill flip="none" rotWithShape="1">
+          <a:gsLst>
+            <a:gs pos="32000">
+              <a:schemeClr val="accent2">
+                <a:lumMod val="5000"/>
+                <a:lumOff val="95000"/>
+              </a:schemeClr>
+            </a:gs>
+            <a:gs pos="79000">
+              <a:schemeClr val="accent2">
+                <a:lumMod val="45000"/>
+                <a:lumOff val="55000"/>
+              </a:schemeClr>
+            </a:gs>
+          </a:gsLst>
+          <a:lin ang="16200000" scaled="1"/>
+          <a:tileRect/>
+        </a:gradFill>
+        <a:effectLst/>
+      </p:bgPr>
+    </p:bg>
     <p:spTree>
       <p:nvGrpSpPr>
         <p:cNvPr id="1" name=""/>
@@ -4465,14 +4497,14 @@
       </p:grpSpPr>
       <p:pic>
         <p:nvPicPr>
-          <p:cNvPr id="4" name="Picture 2" descr="http://ecx.images-amazon.com/images/I/81yutuIZc4L.png"/>
+          <p:cNvPr id="9218" name="Picture 2" descr="http://static8.depositphotos.com/1032712/997/i/170/depositphotos_9975225-Traffic-cones-and-hardhat.-Road-sign.-Icon-isolated-on-white-bac.jpg"/>
           <p:cNvPicPr>
             <a:picLocks noChangeAspect="1" noChangeArrowheads="1"/>
           </p:cNvPicPr>
           <p:nvPr/>
         </p:nvPicPr>
         <p:blipFill>
-          <a:blip r:embed="rId2" cstate="print">
+          <a:blip r:embed="rId2">
             <a:extLst>
               <a:ext uri="{28A0092B-C50C-407E-A947-70E740481C1C}">
                 <a14:useLocalDpi xmlns:a14="http://schemas.microsoft.com/office/drawing/2010/main" val="0"/>
@@ -4486,51 +4518,37 @@
         </p:blipFill>
         <p:spPr bwMode="auto">
           <a:xfrm>
-            <a:off x="10536936" y="5202936"/>
-            <a:ext cx="1655064" cy="1655064"/>
+            <a:off x="0" y="5248274"/>
+            <a:ext cx="1381125" cy="1609726"/>
           </a:xfrm>
           <a:prstGeom prst="rect">
             <a:avLst/>
           </a:prstGeom>
-          <a:noFill/>
-          <a:extLst>
-            <a:ext uri="{909E8E84-426E-40DD-AFC4-6F175D3DCCD1}">
-              <a14:hiddenFill xmlns:a14="http://schemas.microsoft.com/office/drawing/2010/main">
-                <a:solidFill>
-                  <a:srgbClr val="FFFFFF"/>
-                </a:solidFill>
-              </a14:hiddenFill>
-            </a:ext>
-          </a:extLst>
+          <a:gradFill>
+            <a:gsLst>
+              <a:gs pos="5000">
+                <a:schemeClr val="accent2">
+                  <a:lumMod val="5000"/>
+                  <a:lumOff val="95000"/>
+                </a:schemeClr>
+              </a:gs>
+              <a:gs pos="79000">
+                <a:schemeClr val="accent2">
+                  <a:lumMod val="45000"/>
+                  <a:lumOff val="55000"/>
+                </a:schemeClr>
+              </a:gs>
+            </a:gsLst>
+            <a:lin ang="16200000" scaled="1"/>
+          </a:gradFill>
+          <a:effectLst>
+            <a:softEdge rad="127000"/>
+          </a:effectLst>
         </p:spPr>
       </p:pic>
-      <p:pic>
-        <p:nvPicPr>
-          <p:cNvPr id="5" name="Afbeelding 4"/>
-          <p:cNvPicPr>
-            <a:picLocks noChangeAspect="1"/>
-          </p:cNvPicPr>
-          <p:nvPr/>
-        </p:nvPicPr>
-        <p:blipFill>
-          <a:blip r:embed="rId3"/>
-          <a:stretch>
-            <a:fillRect/>
-          </a:stretch>
-        </p:blipFill>
-        <p:spPr>
-          <a:xfrm>
-            <a:off x="1" y="5208673"/>
-            <a:ext cx="1993391" cy="1649326"/>
-          </a:xfrm>
-          <a:prstGeom prst="rect">
-            <a:avLst/>
-          </a:prstGeom>
-        </p:spPr>
-      </p:pic>
-      <p:sp>
-        <p:nvSpPr>
-          <p:cNvPr id="7" name="Tekstvak 6"/>
+      <p:sp>
+        <p:nvSpPr>
+          <p:cNvPr id="3" name="Tekstvak 2"/>
           <p:cNvSpPr txBox="1"/>
           <p:nvPr/>
         </p:nvSpPr>
@@ -4555,7 +4573,7 @@
                 <a:latin typeface="Bookman Old Style" panose="02050604050505020204" pitchFamily="18" charset="0"/>
                 <a:cs typeface="Times New Roman" panose="02020603050405020304" pitchFamily="18" charset="0"/>
               </a:rPr>
-              <a:t>DEMO 2</a:t>
+              <a:t>DEMO 3</a:t>
             </a:r>
           </a:p>
         </p:txBody>
@@ -4563,7 +4581,7 @@
     </p:spTree>
     <p:extLst>
       <p:ext uri="{BB962C8B-B14F-4D97-AF65-F5344CB8AC3E}">
-        <p14:creationId xmlns:p14="http://schemas.microsoft.com/office/powerpoint/2010/main" val="1186395035"/>
+        <p14:creationId xmlns:p14="http://schemas.microsoft.com/office/powerpoint/2010/main" val="3790950782"/>
       </p:ext>
     </p:extLst>
   </p:cSld>
@@ -4706,7 +4724,7 @@
                 <a:latin typeface="Bookman Old Style" panose="02050604050505020204" pitchFamily="18" charset="0"/>
                 <a:cs typeface="Times New Roman" panose="02020603050405020304" pitchFamily="18" charset="0"/>
               </a:rPr>
-              <a:t>DEMO 2</a:t>
+              <a:t>DEMO 4</a:t>
             </a:r>
           </a:p>
         </p:txBody>
@@ -4714,7 +4732,7 @@
     </p:spTree>
     <p:extLst>
       <p:ext uri="{BB962C8B-B14F-4D97-AF65-F5344CB8AC3E}">
-        <p14:creationId xmlns:p14="http://schemas.microsoft.com/office/powerpoint/2010/main" val="1207904404"/>
+        <p14:creationId xmlns:p14="http://schemas.microsoft.com/office/powerpoint/2010/main" val="2997567777"/>
       </p:ext>
     </p:extLst>
   </p:cSld>
@@ -4829,8 +4847,8 @@
         </p:nvSpPr>
         <p:spPr>
           <a:xfrm>
-            <a:off x="4727448" y="301752"/>
-            <a:ext cx="2066544" cy="584775"/>
+            <a:off x="4553712" y="292608"/>
+            <a:ext cx="3090672" cy="584775"/>
           </a:xfrm>
           <a:prstGeom prst="rect">
             <a:avLst/>
@@ -4848,7 +4866,7 @@
                 <a:latin typeface="Bookman Old Style" panose="02050604050505020204" pitchFamily="18" charset="0"/>
                 <a:cs typeface="Times New Roman" panose="02020603050405020304" pitchFamily="18" charset="0"/>
               </a:rPr>
-              <a:t>DEMO 3</a:t>
+              <a:t>INCENTIVES</a:t>
             </a:r>
           </a:p>
         </p:txBody>
@@ -4856,7 +4874,7 @@
     </p:spTree>
     <p:extLst>
       <p:ext uri="{BB962C8B-B14F-4D97-AF65-F5344CB8AC3E}">
-        <p14:creationId xmlns:p14="http://schemas.microsoft.com/office/powerpoint/2010/main" val="394061493"/>
+        <p14:creationId xmlns:p14="http://schemas.microsoft.com/office/powerpoint/2010/main" val="1097061155"/>
       </p:ext>
     </p:extLst>
   </p:cSld>
@@ -4980,8 +4998,8 @@
         </p:nvSpPr>
         <p:spPr>
           <a:xfrm>
-            <a:off x="4727448" y="301752"/>
-            <a:ext cx="2066544" cy="584775"/>
+            <a:off x="4233672" y="301752"/>
+            <a:ext cx="2935224" cy="584775"/>
           </a:xfrm>
           <a:prstGeom prst="rect">
             <a:avLst/>
@@ -4999,7 +5017,7 @@
                 <a:latin typeface="Bookman Old Style" panose="02050604050505020204" pitchFamily="18" charset="0"/>
                 <a:cs typeface="Times New Roman" panose="02020603050405020304" pitchFamily="18" charset="0"/>
               </a:rPr>
-              <a:t>DEMO 3</a:t>
+              <a:t>INCENTIVES</a:t>
             </a:r>
           </a:p>
         </p:txBody>
@@ -5007,7 +5025,7 @@
     </p:spTree>
     <p:extLst>
       <p:ext uri="{BB962C8B-B14F-4D97-AF65-F5344CB8AC3E}">
-        <p14:creationId xmlns:p14="http://schemas.microsoft.com/office/powerpoint/2010/main" val="3790950782"/>
+        <p14:creationId xmlns:p14="http://schemas.microsoft.com/office/powerpoint/2010/main" val="313875281"/>
       </p:ext>
     </p:extLst>
   </p:cSld>
@@ -5189,7 +5207,11 @@
           <a:p>
             <a:r>
               <a:rPr lang="en-US" sz="1400" dirty="0" smtClean="0"/>
-              <a:t>IN4315 Information Retrieval</a:t>
+              <a:t>IN4325 </a:t>
+            </a:r>
+            <a:r>
+              <a:rPr lang="en-US" sz="1400" dirty="0" smtClean="0"/>
+              <a:t>Information Retrieval</a:t>
             </a:r>
           </a:p>
           <a:p>
@@ -5599,8 +5621,8 @@
         </p:nvSpPr>
         <p:spPr>
           <a:xfrm>
-            <a:off x="4727448" y="301752"/>
-            <a:ext cx="2066544" cy="584775"/>
+            <a:off x="4553712" y="292608"/>
+            <a:ext cx="3090672" cy="584775"/>
           </a:xfrm>
           <a:prstGeom prst="rect">
             <a:avLst/>
@@ -5618,7 +5640,7 @@
                 <a:latin typeface="Bookman Old Style" panose="02050604050505020204" pitchFamily="18" charset="0"/>
                 <a:cs typeface="Times New Roman" panose="02020603050405020304" pitchFamily="18" charset="0"/>
               </a:rPr>
-              <a:t>DEMO 4</a:t>
+              <a:t>CONCLUSION</a:t>
             </a:r>
           </a:p>
         </p:txBody>
@@ -5626,7 +5648,7 @@
     </p:spTree>
     <p:extLst>
       <p:ext uri="{BB962C8B-B14F-4D97-AF65-F5344CB8AC3E}">
-        <p14:creationId xmlns:p14="http://schemas.microsoft.com/office/powerpoint/2010/main" val="550652627"/>
+        <p14:creationId xmlns:p14="http://schemas.microsoft.com/office/powerpoint/2010/main" val="3887863057"/>
       </p:ext>
     </p:extLst>
   </p:cSld>
@@ -5750,592 +5772,6 @@
         </p:nvSpPr>
         <p:spPr>
           <a:xfrm>
-            <a:off x="4727448" y="301752"/>
-            <a:ext cx="2066544" cy="584775"/>
-          </a:xfrm>
-          <a:prstGeom prst="rect">
-            <a:avLst/>
-          </a:prstGeom>
-          <a:noFill/>
-        </p:spPr>
-        <p:txBody>
-          <a:bodyPr wrap="square" rtlCol="0">
-            <a:spAutoFit/>
-          </a:bodyPr>
-          <a:lstStyle/>
-          <a:p>
-            <a:r>
-              <a:rPr lang="nl-NL" sz="3200" b="1" dirty="0" smtClean="0">
-                <a:latin typeface="Bookman Old Style" panose="02050604050505020204" pitchFamily="18" charset="0"/>
-                <a:cs typeface="Times New Roman" panose="02020603050405020304" pitchFamily="18" charset="0"/>
-              </a:rPr>
-              <a:t>DEMO 4</a:t>
-            </a:r>
-          </a:p>
-        </p:txBody>
-      </p:sp>
-    </p:spTree>
-    <p:extLst>
-      <p:ext uri="{BB962C8B-B14F-4D97-AF65-F5344CB8AC3E}">
-        <p14:creationId xmlns:p14="http://schemas.microsoft.com/office/powerpoint/2010/main" val="2997567777"/>
-      </p:ext>
-    </p:extLst>
-  </p:cSld>
-  <p:clrMapOvr>
-    <a:masterClrMapping/>
-  </p:clrMapOvr>
-  <mc:AlternateContent xmlns:mc="http://schemas.openxmlformats.org/markup-compatibility/2006" xmlns:p14="http://schemas.microsoft.com/office/powerpoint/2010/main">
-    <mc:Choice Requires="p14">
-      <p:transition spd="slow" p14:dur="2000"/>
-    </mc:Choice>
-    <mc:Fallback xmlns="">
-      <p:transition spd="slow"/>
-    </mc:Fallback>
-  </mc:AlternateContent>
-  <p:timing>
-    <p:tnLst>
-      <p:par>
-        <p:cTn id="1" dur="indefinite" restart="never" nodeType="tmRoot"/>
-      </p:par>
-    </p:tnLst>
-  </p:timing>
-</p:sld>
-</file>
-
-<file path=ppt/slides/slide22.xml><?xml version="1.0" encoding="utf-8"?>
-<p:sld xmlns:a="http://schemas.openxmlformats.org/drawingml/2006/main" xmlns:r="http://schemas.openxmlformats.org/officeDocument/2006/relationships" xmlns:p="http://schemas.openxmlformats.org/presentationml/2006/main">
-  <p:cSld>
-    <p:spTree>
-      <p:nvGrpSpPr>
-        <p:cNvPr id="1" name=""/>
-        <p:cNvGrpSpPr/>
-        <p:nvPr/>
-      </p:nvGrpSpPr>
-      <p:grpSpPr>
-        <a:xfrm>
-          <a:off x="0" y="0"/>
-          <a:ext cx="0" cy="0"/>
-          <a:chOff x="0" y="0"/>
-          <a:chExt cx="0" cy="0"/>
-        </a:xfrm>
-      </p:grpSpPr>
-      <p:pic>
-        <p:nvPicPr>
-          <p:cNvPr id="4" name="Picture 2" descr="http://ecx.images-amazon.com/images/I/81yutuIZc4L.png"/>
-          <p:cNvPicPr>
-            <a:picLocks noChangeAspect="1" noChangeArrowheads="1"/>
-          </p:cNvPicPr>
-          <p:nvPr/>
-        </p:nvPicPr>
-        <p:blipFill>
-          <a:blip r:embed="rId2" cstate="print">
-            <a:extLst>
-              <a:ext uri="{28A0092B-C50C-407E-A947-70E740481C1C}">
-                <a14:useLocalDpi xmlns:a14="http://schemas.microsoft.com/office/drawing/2010/main" val="0"/>
-              </a:ext>
-            </a:extLst>
-          </a:blip>
-          <a:srcRect/>
-          <a:stretch>
-            <a:fillRect/>
-          </a:stretch>
-        </p:blipFill>
-        <p:spPr bwMode="auto">
-          <a:xfrm>
-            <a:off x="10536936" y="5202936"/>
-            <a:ext cx="1655064" cy="1655064"/>
-          </a:xfrm>
-          <a:prstGeom prst="rect">
-            <a:avLst/>
-          </a:prstGeom>
-          <a:noFill/>
-          <a:extLst>
-            <a:ext uri="{909E8E84-426E-40DD-AFC4-6F175D3DCCD1}">
-              <a14:hiddenFill xmlns:a14="http://schemas.microsoft.com/office/drawing/2010/main">
-                <a:solidFill>
-                  <a:srgbClr val="FFFFFF"/>
-                </a:solidFill>
-              </a14:hiddenFill>
-            </a:ext>
-          </a:extLst>
-        </p:spPr>
-      </p:pic>
-      <p:pic>
-        <p:nvPicPr>
-          <p:cNvPr id="5" name="Afbeelding 4"/>
-          <p:cNvPicPr>
-            <a:picLocks noChangeAspect="1"/>
-          </p:cNvPicPr>
-          <p:nvPr/>
-        </p:nvPicPr>
-        <p:blipFill>
-          <a:blip r:embed="rId3"/>
-          <a:stretch>
-            <a:fillRect/>
-          </a:stretch>
-        </p:blipFill>
-        <p:spPr>
-          <a:xfrm>
-            <a:off x="1" y="5208673"/>
-            <a:ext cx="1993391" cy="1649326"/>
-          </a:xfrm>
-          <a:prstGeom prst="rect">
-            <a:avLst/>
-          </a:prstGeom>
-        </p:spPr>
-      </p:pic>
-      <p:sp>
-        <p:nvSpPr>
-          <p:cNvPr id="7" name="Tekstvak 6"/>
-          <p:cNvSpPr txBox="1"/>
-          <p:nvPr/>
-        </p:nvSpPr>
-        <p:spPr>
-          <a:xfrm>
-            <a:off x="4553712" y="292608"/>
-            <a:ext cx="3090672" cy="584775"/>
-          </a:xfrm>
-          <a:prstGeom prst="rect">
-            <a:avLst/>
-          </a:prstGeom>
-          <a:noFill/>
-        </p:spPr>
-        <p:txBody>
-          <a:bodyPr wrap="square" rtlCol="0">
-            <a:spAutoFit/>
-          </a:bodyPr>
-          <a:lstStyle/>
-          <a:p>
-            <a:r>
-              <a:rPr lang="nl-NL" sz="3200" b="1" dirty="0" smtClean="0">
-                <a:latin typeface="Bookman Old Style" panose="02050604050505020204" pitchFamily="18" charset="0"/>
-                <a:cs typeface="Times New Roman" panose="02020603050405020304" pitchFamily="18" charset="0"/>
-              </a:rPr>
-              <a:t>INCENTIVES</a:t>
-            </a:r>
-          </a:p>
-        </p:txBody>
-      </p:sp>
-    </p:spTree>
-    <p:extLst>
-      <p:ext uri="{BB962C8B-B14F-4D97-AF65-F5344CB8AC3E}">
-        <p14:creationId xmlns:p14="http://schemas.microsoft.com/office/powerpoint/2010/main" val="1097061155"/>
-      </p:ext>
-    </p:extLst>
-  </p:cSld>
-  <p:clrMapOvr>
-    <a:masterClrMapping/>
-  </p:clrMapOvr>
-  <mc:AlternateContent xmlns:mc="http://schemas.openxmlformats.org/markup-compatibility/2006" xmlns:p14="http://schemas.microsoft.com/office/powerpoint/2010/main">
-    <mc:Choice Requires="p14">
-      <p:transition spd="slow" p14:dur="2000"/>
-    </mc:Choice>
-    <mc:Fallback xmlns="">
-      <p:transition spd="slow"/>
-    </mc:Fallback>
-  </mc:AlternateContent>
-  <p:timing>
-    <p:tnLst>
-      <p:par>
-        <p:cTn id="1" dur="indefinite" restart="never" nodeType="tmRoot"/>
-      </p:par>
-    </p:tnLst>
-  </p:timing>
-</p:sld>
-</file>
-
-<file path=ppt/slides/slide23.xml><?xml version="1.0" encoding="utf-8"?>
-<p:sld xmlns:a="http://schemas.openxmlformats.org/drawingml/2006/main" xmlns:r="http://schemas.openxmlformats.org/officeDocument/2006/relationships" xmlns:p="http://schemas.openxmlformats.org/presentationml/2006/main" show="0">
-  <p:cSld>
-    <p:bg>
-      <p:bgPr>
-        <a:gradFill flip="none" rotWithShape="1">
-          <a:gsLst>
-            <a:gs pos="32000">
-              <a:schemeClr val="accent2">
-                <a:lumMod val="5000"/>
-                <a:lumOff val="95000"/>
-              </a:schemeClr>
-            </a:gs>
-            <a:gs pos="79000">
-              <a:schemeClr val="accent2">
-                <a:lumMod val="45000"/>
-                <a:lumOff val="55000"/>
-              </a:schemeClr>
-            </a:gs>
-          </a:gsLst>
-          <a:lin ang="16200000" scaled="1"/>
-          <a:tileRect/>
-        </a:gradFill>
-        <a:effectLst/>
-      </p:bgPr>
-    </p:bg>
-    <p:spTree>
-      <p:nvGrpSpPr>
-        <p:cNvPr id="1" name=""/>
-        <p:cNvGrpSpPr/>
-        <p:nvPr/>
-      </p:nvGrpSpPr>
-      <p:grpSpPr>
-        <a:xfrm>
-          <a:off x="0" y="0"/>
-          <a:ext cx="0" cy="0"/>
-          <a:chOff x="0" y="0"/>
-          <a:chExt cx="0" cy="0"/>
-        </a:xfrm>
-      </p:grpSpPr>
-      <p:pic>
-        <p:nvPicPr>
-          <p:cNvPr id="9218" name="Picture 2" descr="http://static8.depositphotos.com/1032712/997/i/170/depositphotos_9975225-Traffic-cones-and-hardhat.-Road-sign.-Icon-isolated-on-white-bac.jpg"/>
-          <p:cNvPicPr>
-            <a:picLocks noChangeAspect="1" noChangeArrowheads="1"/>
-          </p:cNvPicPr>
-          <p:nvPr/>
-        </p:nvPicPr>
-        <p:blipFill>
-          <a:blip r:embed="rId2">
-            <a:extLst>
-              <a:ext uri="{28A0092B-C50C-407E-A947-70E740481C1C}">
-                <a14:useLocalDpi xmlns:a14="http://schemas.microsoft.com/office/drawing/2010/main" val="0"/>
-              </a:ext>
-            </a:extLst>
-          </a:blip>
-          <a:srcRect/>
-          <a:stretch>
-            <a:fillRect/>
-          </a:stretch>
-        </p:blipFill>
-        <p:spPr bwMode="auto">
-          <a:xfrm>
-            <a:off x="0" y="5248274"/>
-            <a:ext cx="1381125" cy="1609726"/>
-          </a:xfrm>
-          <a:prstGeom prst="rect">
-            <a:avLst/>
-          </a:prstGeom>
-          <a:gradFill>
-            <a:gsLst>
-              <a:gs pos="5000">
-                <a:schemeClr val="accent2">
-                  <a:lumMod val="5000"/>
-                  <a:lumOff val="95000"/>
-                </a:schemeClr>
-              </a:gs>
-              <a:gs pos="79000">
-                <a:schemeClr val="accent2">
-                  <a:lumMod val="45000"/>
-                  <a:lumOff val="55000"/>
-                </a:schemeClr>
-              </a:gs>
-            </a:gsLst>
-            <a:lin ang="16200000" scaled="1"/>
-          </a:gradFill>
-          <a:effectLst>
-            <a:softEdge rad="127000"/>
-          </a:effectLst>
-        </p:spPr>
-      </p:pic>
-      <p:sp>
-        <p:nvSpPr>
-          <p:cNvPr id="3" name="Tekstvak 2"/>
-          <p:cNvSpPr txBox="1"/>
-          <p:nvPr/>
-        </p:nvSpPr>
-        <p:spPr>
-          <a:xfrm>
-            <a:off x="4233672" y="301752"/>
-            <a:ext cx="2935224" cy="584775"/>
-          </a:xfrm>
-          <a:prstGeom prst="rect">
-            <a:avLst/>
-          </a:prstGeom>
-          <a:noFill/>
-        </p:spPr>
-        <p:txBody>
-          <a:bodyPr wrap="square" rtlCol="0">
-            <a:spAutoFit/>
-          </a:bodyPr>
-          <a:lstStyle/>
-          <a:p>
-            <a:r>
-              <a:rPr lang="nl-NL" sz="3200" b="1" dirty="0" smtClean="0">
-                <a:latin typeface="Bookman Old Style" panose="02050604050505020204" pitchFamily="18" charset="0"/>
-                <a:cs typeface="Times New Roman" panose="02020603050405020304" pitchFamily="18" charset="0"/>
-              </a:rPr>
-              <a:t>INCENTIVES</a:t>
-            </a:r>
-          </a:p>
-        </p:txBody>
-      </p:sp>
-    </p:spTree>
-    <p:extLst>
-      <p:ext uri="{BB962C8B-B14F-4D97-AF65-F5344CB8AC3E}">
-        <p14:creationId xmlns:p14="http://schemas.microsoft.com/office/powerpoint/2010/main" val="313875281"/>
-      </p:ext>
-    </p:extLst>
-  </p:cSld>
-  <p:clrMapOvr>
-    <a:masterClrMapping/>
-  </p:clrMapOvr>
-  <mc:AlternateContent xmlns:mc="http://schemas.openxmlformats.org/markup-compatibility/2006" xmlns:p14="http://schemas.microsoft.com/office/powerpoint/2010/main">
-    <mc:Choice Requires="p14">
-      <p:transition spd="slow" p14:dur="2000"/>
-    </mc:Choice>
-    <mc:Fallback xmlns="">
-      <p:transition spd="slow"/>
-    </mc:Fallback>
-  </mc:AlternateContent>
-  <p:timing>
-    <p:tnLst>
-      <p:par>
-        <p:cTn id="1" dur="indefinite" restart="never" nodeType="tmRoot"/>
-      </p:par>
-    </p:tnLst>
-  </p:timing>
-</p:sld>
-</file>
-
-<file path=ppt/slides/slide24.xml><?xml version="1.0" encoding="utf-8"?>
-<p:sld xmlns:a="http://schemas.openxmlformats.org/drawingml/2006/main" xmlns:r="http://schemas.openxmlformats.org/officeDocument/2006/relationships" xmlns:p="http://schemas.openxmlformats.org/presentationml/2006/main">
-  <p:cSld>
-    <p:spTree>
-      <p:nvGrpSpPr>
-        <p:cNvPr id="1" name=""/>
-        <p:cNvGrpSpPr/>
-        <p:nvPr/>
-      </p:nvGrpSpPr>
-      <p:grpSpPr>
-        <a:xfrm>
-          <a:off x="0" y="0"/>
-          <a:ext cx="0" cy="0"/>
-          <a:chOff x="0" y="0"/>
-          <a:chExt cx="0" cy="0"/>
-        </a:xfrm>
-      </p:grpSpPr>
-      <p:pic>
-        <p:nvPicPr>
-          <p:cNvPr id="4" name="Picture 2" descr="http://ecx.images-amazon.com/images/I/81yutuIZc4L.png"/>
-          <p:cNvPicPr>
-            <a:picLocks noChangeAspect="1" noChangeArrowheads="1"/>
-          </p:cNvPicPr>
-          <p:nvPr/>
-        </p:nvPicPr>
-        <p:blipFill>
-          <a:blip r:embed="rId2" cstate="print">
-            <a:extLst>
-              <a:ext uri="{28A0092B-C50C-407E-A947-70E740481C1C}">
-                <a14:useLocalDpi xmlns:a14="http://schemas.microsoft.com/office/drawing/2010/main" val="0"/>
-              </a:ext>
-            </a:extLst>
-          </a:blip>
-          <a:srcRect/>
-          <a:stretch>
-            <a:fillRect/>
-          </a:stretch>
-        </p:blipFill>
-        <p:spPr bwMode="auto">
-          <a:xfrm>
-            <a:off x="10536936" y="5202936"/>
-            <a:ext cx="1655064" cy="1655064"/>
-          </a:xfrm>
-          <a:prstGeom prst="rect">
-            <a:avLst/>
-          </a:prstGeom>
-          <a:noFill/>
-          <a:extLst>
-            <a:ext uri="{909E8E84-426E-40DD-AFC4-6F175D3DCCD1}">
-              <a14:hiddenFill xmlns:a14="http://schemas.microsoft.com/office/drawing/2010/main">
-                <a:solidFill>
-                  <a:srgbClr val="FFFFFF"/>
-                </a:solidFill>
-              </a14:hiddenFill>
-            </a:ext>
-          </a:extLst>
-        </p:spPr>
-      </p:pic>
-      <p:pic>
-        <p:nvPicPr>
-          <p:cNvPr id="5" name="Afbeelding 4"/>
-          <p:cNvPicPr>
-            <a:picLocks noChangeAspect="1"/>
-          </p:cNvPicPr>
-          <p:nvPr/>
-        </p:nvPicPr>
-        <p:blipFill>
-          <a:blip r:embed="rId3"/>
-          <a:stretch>
-            <a:fillRect/>
-          </a:stretch>
-        </p:blipFill>
-        <p:spPr>
-          <a:xfrm>
-            <a:off x="1" y="5208673"/>
-            <a:ext cx="1993391" cy="1649326"/>
-          </a:xfrm>
-          <a:prstGeom prst="rect">
-            <a:avLst/>
-          </a:prstGeom>
-        </p:spPr>
-      </p:pic>
-      <p:sp>
-        <p:nvSpPr>
-          <p:cNvPr id="7" name="Tekstvak 6"/>
-          <p:cNvSpPr txBox="1"/>
-          <p:nvPr/>
-        </p:nvSpPr>
-        <p:spPr>
-          <a:xfrm>
-            <a:off x="4553712" y="292608"/>
-            <a:ext cx="3090672" cy="584775"/>
-          </a:xfrm>
-          <a:prstGeom prst="rect">
-            <a:avLst/>
-          </a:prstGeom>
-          <a:noFill/>
-        </p:spPr>
-        <p:txBody>
-          <a:bodyPr wrap="square" rtlCol="0">
-            <a:spAutoFit/>
-          </a:bodyPr>
-          <a:lstStyle/>
-          <a:p>
-            <a:r>
-              <a:rPr lang="nl-NL" sz="3200" b="1" dirty="0" smtClean="0">
-                <a:latin typeface="Bookman Old Style" panose="02050604050505020204" pitchFamily="18" charset="0"/>
-                <a:cs typeface="Times New Roman" panose="02020603050405020304" pitchFamily="18" charset="0"/>
-              </a:rPr>
-              <a:t>CONCLUSION</a:t>
-            </a:r>
-          </a:p>
-        </p:txBody>
-      </p:sp>
-    </p:spTree>
-    <p:extLst>
-      <p:ext uri="{BB962C8B-B14F-4D97-AF65-F5344CB8AC3E}">
-        <p14:creationId xmlns:p14="http://schemas.microsoft.com/office/powerpoint/2010/main" val="3887863057"/>
-      </p:ext>
-    </p:extLst>
-  </p:cSld>
-  <p:clrMapOvr>
-    <a:masterClrMapping/>
-  </p:clrMapOvr>
-  <mc:AlternateContent xmlns:mc="http://schemas.openxmlformats.org/markup-compatibility/2006" xmlns:p14="http://schemas.microsoft.com/office/powerpoint/2010/main">
-    <mc:Choice Requires="p14">
-      <p:transition spd="slow" p14:dur="2000"/>
-    </mc:Choice>
-    <mc:Fallback xmlns="">
-      <p:transition spd="slow"/>
-    </mc:Fallback>
-  </mc:AlternateContent>
-  <p:timing>
-    <p:tnLst>
-      <p:par>
-        <p:cTn id="1" dur="indefinite" restart="never" nodeType="tmRoot"/>
-      </p:par>
-    </p:tnLst>
-  </p:timing>
-</p:sld>
-</file>
-
-<file path=ppt/slides/slide25.xml><?xml version="1.0" encoding="utf-8"?>
-<p:sld xmlns:a="http://schemas.openxmlformats.org/drawingml/2006/main" xmlns:r="http://schemas.openxmlformats.org/officeDocument/2006/relationships" xmlns:p="http://schemas.openxmlformats.org/presentationml/2006/main" show="0">
-  <p:cSld>
-    <p:bg>
-      <p:bgPr>
-        <a:gradFill flip="none" rotWithShape="1">
-          <a:gsLst>
-            <a:gs pos="32000">
-              <a:schemeClr val="accent2">
-                <a:lumMod val="5000"/>
-                <a:lumOff val="95000"/>
-              </a:schemeClr>
-            </a:gs>
-            <a:gs pos="79000">
-              <a:schemeClr val="accent2">
-                <a:lumMod val="45000"/>
-                <a:lumOff val="55000"/>
-              </a:schemeClr>
-            </a:gs>
-          </a:gsLst>
-          <a:lin ang="16200000" scaled="1"/>
-          <a:tileRect/>
-        </a:gradFill>
-        <a:effectLst/>
-      </p:bgPr>
-    </p:bg>
-    <p:spTree>
-      <p:nvGrpSpPr>
-        <p:cNvPr id="1" name=""/>
-        <p:cNvGrpSpPr/>
-        <p:nvPr/>
-      </p:nvGrpSpPr>
-      <p:grpSpPr>
-        <a:xfrm>
-          <a:off x="0" y="0"/>
-          <a:ext cx="0" cy="0"/>
-          <a:chOff x="0" y="0"/>
-          <a:chExt cx="0" cy="0"/>
-        </a:xfrm>
-      </p:grpSpPr>
-      <p:pic>
-        <p:nvPicPr>
-          <p:cNvPr id="9218" name="Picture 2" descr="http://static8.depositphotos.com/1032712/997/i/170/depositphotos_9975225-Traffic-cones-and-hardhat.-Road-sign.-Icon-isolated-on-white-bac.jpg"/>
-          <p:cNvPicPr>
-            <a:picLocks noChangeAspect="1" noChangeArrowheads="1"/>
-          </p:cNvPicPr>
-          <p:nvPr/>
-        </p:nvPicPr>
-        <p:blipFill>
-          <a:blip r:embed="rId2">
-            <a:extLst>
-              <a:ext uri="{28A0092B-C50C-407E-A947-70E740481C1C}">
-                <a14:useLocalDpi xmlns:a14="http://schemas.microsoft.com/office/drawing/2010/main" val="0"/>
-              </a:ext>
-            </a:extLst>
-          </a:blip>
-          <a:srcRect/>
-          <a:stretch>
-            <a:fillRect/>
-          </a:stretch>
-        </p:blipFill>
-        <p:spPr bwMode="auto">
-          <a:xfrm>
-            <a:off x="0" y="5248274"/>
-            <a:ext cx="1381125" cy="1609726"/>
-          </a:xfrm>
-          <a:prstGeom prst="rect">
-            <a:avLst/>
-          </a:prstGeom>
-          <a:gradFill>
-            <a:gsLst>
-              <a:gs pos="5000">
-                <a:schemeClr val="accent2">
-                  <a:lumMod val="5000"/>
-                  <a:lumOff val="95000"/>
-                </a:schemeClr>
-              </a:gs>
-              <a:gs pos="79000">
-                <a:schemeClr val="accent2">
-                  <a:lumMod val="45000"/>
-                  <a:lumOff val="55000"/>
-                </a:schemeClr>
-              </a:gs>
-            </a:gsLst>
-            <a:lin ang="16200000" scaled="1"/>
-          </a:gradFill>
-          <a:effectLst>
-            <a:softEdge rad="127000"/>
-          </a:effectLst>
-        </p:spPr>
-      </p:pic>
-      <p:sp>
-        <p:nvSpPr>
-          <p:cNvPr id="3" name="Tekstvak 2"/>
-          <p:cNvSpPr txBox="1"/>
-          <p:nvPr/>
-        </p:nvSpPr>
-        <p:spPr>
-          <a:xfrm>
             <a:off x="4553712" y="292608"/>
             <a:ext cx="3090672" cy="584775"/>
           </a:xfrm>
@@ -6388,7 +5824,7 @@
 </p:sld>
 </file>
 
-<file path=ppt/slides/slide26.xml><?xml version="1.0" encoding="utf-8"?>
+<file path=ppt/slides/slide22.xml><?xml version="1.0" encoding="utf-8"?>
 <p:sld xmlns:a="http://schemas.openxmlformats.org/drawingml/2006/main" xmlns:r="http://schemas.openxmlformats.org/officeDocument/2006/relationships" xmlns:p="http://schemas.openxmlformats.org/presentationml/2006/main">
   <p:cSld>
     <p:spTree>
@@ -8012,7 +7448,7 @@
         <p:spPr>
           <a:xfrm>
             <a:off x="0" y="1215420"/>
-            <a:ext cx="5532120" cy="3754874"/>
+            <a:ext cx="5212080" cy="3970318"/>
           </a:xfrm>
           <a:prstGeom prst="rect">
             <a:avLst/>
@@ -8176,7 +7612,7 @@
         </p:nvCxnSpPr>
         <p:spPr>
           <a:xfrm>
-            <a:off x="5532120" y="1215420"/>
+            <a:off x="5413248" y="1215420"/>
             <a:ext cx="0" cy="5020788"/>
           </a:xfrm>
           <a:prstGeom prst="line">
